--- a/IBM_DataScience/AppliedDataScienceCapstone/Assignments/Business Location Explore in Toronto.pptx
+++ b/IBM_DataScience/AppliedDataScienceCapstone/Assignments/Business Location Explore in Toronto.pptx
@@ -5,10 +5,10 @@
     <p:sldMasterId id="2147483648" r:id="rId1"/>
   </p:sldMasterIdLst>
   <p:notesMasterIdLst>
-    <p:notesMasterId r:id="rId20"/>
+    <p:notesMasterId r:id="rId24"/>
   </p:notesMasterIdLst>
   <p:handoutMasterIdLst>
-    <p:handoutMasterId r:id="rId21"/>
+    <p:handoutMasterId r:id="rId25"/>
   </p:handoutMasterIdLst>
   <p:sldIdLst>
     <p:sldId id="256" r:id="rId3"/>
@@ -25,9 +25,13 @@
     <p:sldId id="263" r:id="rId14"/>
     <p:sldId id="280" r:id="rId15"/>
     <p:sldId id="281" r:id="rId16"/>
-    <p:sldId id="264" r:id="rId17"/>
-    <p:sldId id="265" r:id="rId18"/>
-    <p:sldId id="266" r:id="rId19"/>
+    <p:sldId id="283" r:id="rId17"/>
+    <p:sldId id="284" r:id="rId18"/>
+    <p:sldId id="264" r:id="rId19"/>
+    <p:sldId id="285" r:id="rId20"/>
+    <p:sldId id="265" r:id="rId21"/>
+    <p:sldId id="266" r:id="rId22"/>
+    <p:sldId id="286" r:id="rId23"/>
   </p:sldIdLst>
   <p:sldSz cx="12192000" cy="6858000"/>
   <p:notesSz cx="7103745" cy="10234295"/>
@@ -4661,11 +4665,11 @@
         <p:txBody>
           <a:bodyPr/>
           <a:p>
-            <a:pPr lvl="0"/>
-            <a:endParaRPr lang="en-US"/>
-          </a:p>
-          <a:p>
-            <a:pPr lvl="0"/>
+            <a:pPr lvl="0">
+              <a:lnSpc>
+                <a:spcPct val="200000"/>
+              </a:lnSpc>
+            </a:pPr>
             <a:r>
               <a:rPr lang="en-US">
                 <a:sym typeface="+mn-ea"/>
@@ -4677,7 +4681,11 @@
             </a:endParaRPr>
           </a:p>
           <a:p>
-            <a:pPr lvl="0"/>
+            <a:pPr lvl="0">
+              <a:lnSpc>
+                <a:spcPct val="200000"/>
+              </a:lnSpc>
+            </a:pPr>
             <a:r>
               <a:rPr lang="en-US">
                 <a:sym typeface="+mn-ea"/>
@@ -4689,7 +4697,11 @@
             </a:endParaRPr>
           </a:p>
           <a:p>
-            <a:pPr lvl="0"/>
+            <a:pPr lvl="0">
+              <a:lnSpc>
+                <a:spcPct val="200000"/>
+              </a:lnSpc>
+            </a:pPr>
             <a:endParaRPr lang="en-US">
               <a:sym typeface="+mn-ea"/>
             </a:endParaRPr>
@@ -4831,6 +4843,11 @@
         <p:txBody>
           <a:bodyPr/>
           <a:p>
+            <a:pPr>
+              <a:lnSpc>
+                <a:spcPct val="150000"/>
+              </a:lnSpc>
+            </a:pPr>
             <a:r>
               <a:rPr lang="en-US">
                 <a:sym typeface="+mn-ea"/>
@@ -4840,6 +4857,11 @@
             <a:endParaRPr lang="en-US"/>
           </a:p>
           <a:p>
+            <a:pPr>
+              <a:lnSpc>
+                <a:spcPct val="150000"/>
+              </a:lnSpc>
+            </a:pPr>
             <a:r>
               <a:rPr lang="en-US">
                 <a:sym typeface="+mn-ea"/>
@@ -4890,36 +4912,103 @@
           <a:p>
             <a:pPr lvl="0"/>
             <a:r>
-              <a:rPr lang="en-US">
+              <a:rPr lang="en-US" sz="3600">
                 <a:sym typeface="+mn-ea"/>
               </a:rPr>
               <a:t>3.1 Definition of Sufficiency and InSufficiency</a:t>
             </a:r>
-            <a:br>
+            <a:endParaRPr lang="en-US" sz="3600"/>
+          </a:p>
+        </p:txBody>
+      </p:sp>
+      <p:sp>
+        <p:nvSpPr>
+          <p:cNvPr id="3" name="Content Placeholder 2"/>
+          <p:cNvSpPr>
+            <a:spLocks noGrp="1"/>
+          </p:cNvSpPr>
+          <p:nvPr>
+            <p:ph idx="1"/>
+          </p:nvPr>
+        </p:nvSpPr>
+        <p:spPr/>
+        <p:txBody>
+          <a:bodyPr/>
+          <a:p>
+            <a:pPr marL="0" indent="0">
+              <a:buNone/>
+            </a:pPr>
+            <a:r>
+              <a:rPr lang="en-US" b="1"/>
+              <a:t> Sufficient Demand</a:t>
+            </a:r>
+            <a:r>
               <a:rPr lang="en-US"/>
-            </a:br>
-            <a:endParaRPr lang="en-US"/>
-          </a:p>
-        </p:txBody>
-      </p:sp>
-      <p:sp>
-        <p:nvSpPr>
-          <p:cNvPr id="3" name="Content Placeholder 2"/>
-          <p:cNvSpPr>
-            <a:spLocks noGrp="1"/>
-          </p:cNvSpPr>
-          <p:nvPr>
-            <p:ph idx="1"/>
-          </p:nvPr>
-        </p:nvSpPr>
-        <p:spPr/>
-        <p:txBody>
-          <a:bodyPr/>
+              <a:t> </a:t>
+            </a:r>
+            <a:r>
+              <a:rPr lang="" altLang="en-US"/>
+              <a:t>:</a:t>
+            </a:r>
+            <a:endParaRPr lang="" altLang="en-US"/>
+          </a:p>
+          <a:p>
+            <a:pPr marL="0" indent="0">
+              <a:buNone/>
+            </a:pPr>
+            <a:r>
+              <a:rPr lang="" altLang="en-US" sz="2800"/>
+              <a:t>	</a:t>
+            </a:r>
+            <a:r>
+              <a:rPr lang="en-US" sz="2800"/>
+              <a:t>a bigger average restaurant provider over the area</a:t>
+            </a:r>
+            <a:endParaRPr lang="en-US" sz="2800"/>
+          </a:p>
           <a:p>
             <a:pPr marL="0" indent="0">
               <a:buNone/>
             </a:pPr>
             <a:endParaRPr lang="en-US"/>
+          </a:p>
+          <a:p>
+            <a:pPr marL="0" indent="0">
+              <a:buNone/>
+            </a:pPr>
+            <a:r>
+              <a:rPr lang="en-US" b="1"/>
+              <a:t>Insufficient Support</a:t>
+            </a:r>
+            <a:r>
+              <a:rPr lang="" altLang="en-US"/>
+              <a:t>:</a:t>
+            </a:r>
+            <a:endParaRPr lang="" altLang="en-US"/>
+          </a:p>
+          <a:p>
+            <a:pPr marL="0" indent="0">
+              <a:buNone/>
+            </a:pPr>
+            <a:r>
+              <a:rPr lang="" altLang="en-US"/>
+              <a:t>	</a:t>
+            </a:r>
+            <a:r>
+              <a:rPr lang="en-US"/>
+              <a:t> </a:t>
+            </a:r>
+            <a:r>
+              <a:rPr lang="en-US" sz="2800"/>
+              <a:t>a smaller average restaurant business over the area</a:t>
+            </a:r>
+            <a:endParaRPr lang="en-US" sz="2800"/>
+          </a:p>
+          <a:p>
+            <a:pPr marL="0" indent="0">
+              <a:buNone/>
+            </a:pPr>
+            <a:endParaRPr lang="en-US" sz="2800"/>
           </a:p>
         </p:txBody>
       </p:sp>
@@ -4976,10 +5065,83 @@
             <p:ph idx="1"/>
           </p:nvPr>
         </p:nvSpPr>
-        <p:spPr/>
-        <p:txBody>
-          <a:bodyPr/>
-          <a:p>
+        <p:spPr>
+          <a:xfrm>
+            <a:off x="609600" y="1570355"/>
+            <a:ext cx="10972800" cy="753110"/>
+          </a:xfrm>
+        </p:spPr>
+        <p:txBody>
+          <a:bodyPr/>
+          <a:p>
+            <a:r>
+              <a:rPr lang="en-US"/>
+              <a:t>Step (1) Define and Fit the model</a:t>
+            </a:r>
+            <a:endParaRPr lang="en-US"/>
+          </a:p>
+          <a:p>
+            <a:endParaRPr lang="en-US"/>
+          </a:p>
+        </p:txBody>
+      </p:sp>
+      <p:sp>
+        <p:nvSpPr>
+          <p:cNvPr id="4" name="Text Box 3"/>
+          <p:cNvSpPr txBox="1"/>
+          <p:nvPr/>
+        </p:nvSpPr>
+        <p:spPr>
+          <a:xfrm>
+            <a:off x="708660" y="2613660"/>
+            <a:ext cx="10744835" cy="1753235"/>
+          </a:xfrm>
+          <a:prstGeom prst="rect">
+            <a:avLst/>
+          </a:prstGeom>
+          <a:solidFill>
+            <a:schemeClr val="accent5"/>
+          </a:solidFill>
+        </p:spPr>
+        <p:txBody>
+          <a:bodyPr wrap="square" rtlCol="0">
+            <a:spAutoFit/>
+          </a:bodyPr>
+          <a:p>
+            <a:r>
+              <a:rPr lang="en-US">
+                <a:sym typeface="+mn-ea"/>
+              </a:rPr>
+              <a:t>IF_cols = ['Avg_ChineseR','Avg_AsianR','Avg_OtherR','Avg_AnyR']</a:t>
+            </a:r>
+            <a:endParaRPr lang="en-US">
+              <a:sym typeface="+mn-ea"/>
+            </a:endParaRPr>
+          </a:p>
+          <a:p>
+            <a:endParaRPr lang="en-US"/>
+          </a:p>
+          <a:p>
+            <a:r>
+              <a:rPr lang="en-US">
+                <a:sym typeface="+mn-ea"/>
+              </a:rPr>
+              <a:t>model=IsolationForest( n_estimators=50, max_samples='auto', contamination=float(0.1), max_features=4 )</a:t>
+            </a:r>
+            <a:endParaRPr lang="en-US"/>
+          </a:p>
+          <a:p>
+            <a:endParaRPr lang="en-US">
+              <a:sym typeface="+mn-ea"/>
+            </a:endParaRPr>
+          </a:p>
+          <a:p>
+            <a:r>
+              <a:rPr lang="en-US">
+                <a:sym typeface="+mn-ea"/>
+              </a:rPr>
+              <a:t>model.fit( df_avg[])</a:t>
+            </a:r>
             <a:endParaRPr lang="en-US"/>
           </a:p>
         </p:txBody>
@@ -5021,33 +5183,69 @@
               <a:rPr lang="en-US">
                 <a:sym typeface="+mn-ea"/>
               </a:rPr>
-              <a:t>4. Result</a:t>
-            </a:r>
-            <a:br>
+              <a:t>3.2 Isolation Forest Anomaly Dection</a:t>
+            </a:r>
+            <a:endParaRPr lang="en-US"/>
+          </a:p>
+        </p:txBody>
+      </p:sp>
+      <p:sp>
+        <p:nvSpPr>
+          <p:cNvPr id="3" name="Content Placeholder 2"/>
+          <p:cNvSpPr>
+            <a:spLocks noGrp="1"/>
+          </p:cNvSpPr>
+          <p:nvPr>
+            <p:ph idx="1"/>
+          </p:nvPr>
+        </p:nvSpPr>
+        <p:spPr>
+          <a:xfrm>
+            <a:off x="609600" y="1600200"/>
+            <a:ext cx="10972800" cy="955675"/>
+          </a:xfrm>
+        </p:spPr>
+        <p:txBody>
+          <a:bodyPr/>
+          <a:p>
+            <a:r>
               <a:rPr lang="en-US"/>
-            </a:br>
+              <a:t>Step (2) Attached Scores and Anomaly Column</a:t>
+            </a:r>
             <a:endParaRPr lang="en-US"/>
           </a:p>
-        </p:txBody>
-      </p:sp>
-      <p:sp>
-        <p:nvSpPr>
-          <p:cNvPr id="3" name="Content Placeholder 2"/>
-          <p:cNvSpPr>
-            <a:spLocks noGrp="1"/>
-          </p:cNvSpPr>
-          <p:nvPr>
-            <p:ph idx="1"/>
-          </p:nvPr>
-        </p:nvSpPr>
-        <p:spPr/>
-        <p:txBody>
-          <a:bodyPr/>
-          <a:p>
+          <a:p>
+            <a:pPr marL="0" indent="0">
+              <a:buNone/>
+            </a:pPr>
             <a:endParaRPr lang="en-US"/>
           </a:p>
         </p:txBody>
       </p:sp>
+      <p:pic>
+        <p:nvPicPr>
+          <p:cNvPr id="4" name="Picture 3" descr="Screenshot from 2020-04-21 23-37-27"/>
+          <p:cNvPicPr>
+            <a:picLocks noChangeAspect="1"/>
+          </p:cNvPicPr>
+          <p:nvPr/>
+        </p:nvPicPr>
+        <p:blipFill>
+          <a:blip r:embed="rId1"/>
+          <a:stretch>
+            <a:fillRect/>
+          </a:stretch>
+        </p:blipFill>
+        <p:spPr>
+          <a:xfrm>
+            <a:off x="828675" y="2555875"/>
+            <a:ext cx="10713720" cy="1684655"/>
+          </a:xfrm>
+          <a:prstGeom prst="rect">
+            <a:avLst/>
+          </a:prstGeom>
+        </p:spPr>
+      </p:pic>
     </p:spTree>
   </p:cSld>
   <p:clrMapOvr>
@@ -5076,7 +5274,12 @@
             <p:ph type="title"/>
           </p:nvPr>
         </p:nvSpPr>
-        <p:spPr/>
+        <p:spPr>
+          <a:xfrm>
+            <a:off x="608965" y="274638"/>
+            <a:ext cx="10972800" cy="1143000"/>
+          </a:xfrm>
+        </p:spPr>
         <p:txBody>
           <a:bodyPr/>
           <a:p>
@@ -5085,33 +5288,86 @@
               <a:rPr lang="en-US">
                 <a:sym typeface="+mn-ea"/>
               </a:rPr>
-              <a:t>5. Discussion</a:t>
-            </a:r>
-            <a:br>
-              <a:rPr lang="en-US"/>
-            </a:br>
+              <a:t>3.2 Isolation Forest Anomaly Dection</a:t>
+            </a:r>
             <a:endParaRPr lang="en-US"/>
           </a:p>
         </p:txBody>
       </p:sp>
-      <p:sp>
-        <p:nvSpPr>
-          <p:cNvPr id="3" name="Content Placeholder 2"/>
-          <p:cNvSpPr>
-            <a:spLocks noGrp="1"/>
-          </p:cNvSpPr>
+      <p:pic>
+        <p:nvPicPr>
+          <p:cNvPr id="5" name="Content Placeholder 4" descr="Screenshot from 2020-04-21 23-38-29"/>
+          <p:cNvPicPr>
+            <a:picLocks noChangeAspect="1"/>
+          </p:cNvPicPr>
           <p:nvPr>
             <p:ph idx="1"/>
           </p:nvPr>
-        </p:nvSpPr>
-        <p:spPr/>
-        <p:txBody>
-          <a:bodyPr/>
-          <a:p>
-            <a:endParaRPr lang="en-US"/>
-          </a:p>
-        </p:txBody>
-      </p:sp>
+        </p:nvPicPr>
+        <p:blipFill>
+          <a:blip r:embed="rId1"/>
+          <a:stretch>
+            <a:fillRect/>
+          </a:stretch>
+        </p:blipFill>
+        <p:spPr>
+          <a:xfrm>
+            <a:off x="609600" y="1417955"/>
+            <a:ext cx="8061325" cy="4648835"/>
+          </a:xfrm>
+          <a:prstGeom prst="rect">
+            <a:avLst/>
+          </a:prstGeom>
+        </p:spPr>
+      </p:pic>
+      <p:pic>
+        <p:nvPicPr>
+          <p:cNvPr id="6" name="Picture 5" descr="Screenshot from 2020-04-21 23-39-00"/>
+          <p:cNvPicPr>
+            <a:picLocks noChangeAspect="1"/>
+          </p:cNvPicPr>
+          <p:nvPr/>
+        </p:nvPicPr>
+        <p:blipFill>
+          <a:blip r:embed="rId2"/>
+          <a:stretch>
+            <a:fillRect/>
+          </a:stretch>
+        </p:blipFill>
+        <p:spPr>
+          <a:xfrm>
+            <a:off x="8813800" y="1489075"/>
+            <a:ext cx="2981325" cy="2305050"/>
+          </a:xfrm>
+          <a:prstGeom prst="rect">
+            <a:avLst/>
+          </a:prstGeom>
+        </p:spPr>
+      </p:pic>
+      <p:pic>
+        <p:nvPicPr>
+          <p:cNvPr id="7" name="Picture 6" descr="Screenshot from 2020-04-21 23-38-53"/>
+          <p:cNvPicPr>
+            <a:picLocks noChangeAspect="1"/>
+          </p:cNvPicPr>
+          <p:nvPr/>
+        </p:nvPicPr>
+        <p:blipFill>
+          <a:blip r:embed="rId3"/>
+          <a:stretch>
+            <a:fillRect/>
+          </a:stretch>
+        </p:blipFill>
+        <p:spPr>
+          <a:xfrm>
+            <a:off x="8813800" y="4004945"/>
+            <a:ext cx="3152775" cy="2152650"/>
+          </a:xfrm>
+          <a:prstGeom prst="rect">
+            <a:avLst/>
+          </a:prstGeom>
+        </p:spPr>
+      </p:pic>
     </p:spTree>
   </p:cSld>
   <p:clrMapOvr>
@@ -5149,7 +5405,7 @@
               <a:rPr lang="en-US">
                 <a:sym typeface="+mn-ea"/>
               </a:rPr>
-              <a:t>6. Conclusion</a:t>
+              <a:t>4. Result</a:t>
             </a:r>
             <a:endParaRPr lang="en-US"/>
           </a:p>
@@ -5165,12 +5421,279 @@
             <p:ph idx="1"/>
           </p:nvPr>
         </p:nvSpPr>
+        <p:spPr>
+          <a:noFill/>
+        </p:spPr>
+        <p:txBody>
+          <a:bodyPr/>
+          <a:p>
+            <a:pPr marL="0" indent="0">
+              <a:buNone/>
+            </a:pPr>
+            <a:r>
+              <a:rPr lang="en-US" sz="2000"/>
+              <a:t>To open a new Chinese restaurant, we have two locations with potentially highest opportunites, marked as Red on above map:</a:t>
+            </a:r>
+            <a:endParaRPr lang="en-US" sz="2000"/>
+          </a:p>
+          <a:p>
+            <a:r>
+              <a:rPr lang="en-US" sz="2000">
+                <a:solidFill>
+                  <a:srgbClr val="FF0000"/>
+                </a:solidFill>
+              </a:rPr>
+              <a:t>North St.James Town</a:t>
+            </a:r>
+            <a:endParaRPr lang="en-US" sz="2000">
+              <a:solidFill>
+                <a:srgbClr val="FF0000"/>
+              </a:solidFill>
+            </a:endParaRPr>
+          </a:p>
+          <a:p>
+            <a:r>
+              <a:rPr lang="en-US" sz="2000">
+                <a:solidFill>
+                  <a:srgbClr val="FF0000"/>
+                </a:solidFill>
+              </a:rPr>
+              <a:t>Regent Park</a:t>
+            </a:r>
+            <a:endParaRPr lang="en-US" sz="2000">
+              <a:solidFill>
+                <a:srgbClr val="FF0000"/>
+              </a:solidFill>
+            </a:endParaRPr>
+          </a:p>
+          <a:p>
+            <a:endParaRPr lang="en-US" sz="2000"/>
+          </a:p>
+          <a:p>
+            <a:pPr marL="0" indent="0">
+              <a:buNone/>
+            </a:pPr>
+            <a:r>
+              <a:rPr lang="en-US" sz="2000"/>
+              <a:t>Plus the other three locations may also have moderate oppertunites, marked as Orange on above map:</a:t>
+            </a:r>
+            <a:endParaRPr lang="en-US" sz="2000"/>
+          </a:p>
+          <a:p>
+            <a:r>
+              <a:rPr lang="en-US" sz="2000">
+                <a:solidFill>
+                  <a:srgbClr val="FFC000"/>
+                </a:solidFill>
+              </a:rPr>
+              <a:t>Yonge-St.Clair</a:t>
+            </a:r>
+            <a:endParaRPr lang="en-US" sz="2000">
+              <a:solidFill>
+                <a:srgbClr val="FFC000"/>
+              </a:solidFill>
+            </a:endParaRPr>
+          </a:p>
+          <a:p>
+            <a:r>
+              <a:rPr lang="en-US" sz="2000">
+                <a:solidFill>
+                  <a:srgbClr val="FFC000"/>
+                </a:solidFill>
+              </a:rPr>
+              <a:t>Rouge</a:t>
+            </a:r>
+            <a:endParaRPr lang="en-US" sz="2000">
+              <a:solidFill>
+                <a:srgbClr val="FFC000"/>
+              </a:solidFill>
+            </a:endParaRPr>
+          </a:p>
+          <a:p>
+            <a:r>
+              <a:rPr lang="en-US" sz="2000">
+                <a:solidFill>
+                  <a:srgbClr val="FFC000"/>
+                </a:solidFill>
+              </a:rPr>
+              <a:t>Roncesvalles</a:t>
+            </a:r>
+            <a:endParaRPr lang="en-US" sz="2000">
+              <a:solidFill>
+                <a:srgbClr val="FFC000"/>
+              </a:solidFill>
+            </a:endParaRPr>
+          </a:p>
+        </p:txBody>
+      </p:sp>
+    </p:spTree>
+  </p:cSld>
+  <p:clrMapOvr>
+    <a:masterClrMapping/>
+  </p:clrMapOvr>
+</p:sld>
+</file>
+
+<file path=ppt/slides/slide18.xml><?xml version="1.0" encoding="utf-8"?>
+<p:sld xmlns:a="http://schemas.openxmlformats.org/drawingml/2006/main" xmlns:r="http://schemas.openxmlformats.org/officeDocument/2006/relationships" xmlns:p="http://schemas.openxmlformats.org/presentationml/2006/main">
+  <p:cSld>
+    <p:spTree>
+      <p:nvGrpSpPr>
+        <p:cNvPr id="1" name=""/>
+        <p:cNvGrpSpPr/>
+        <p:nvPr/>
+      </p:nvGrpSpPr>
+      <p:grpSpPr/>
+      <p:sp>
+        <p:nvSpPr>
+          <p:cNvPr id="2" name="Title 1"/>
+          <p:cNvSpPr>
+            <a:spLocks noGrp="1"/>
+          </p:cNvSpPr>
+          <p:nvPr>
+            <p:ph type="title"/>
+          </p:nvPr>
+        </p:nvSpPr>
         <p:spPr/>
         <p:txBody>
           <a:bodyPr/>
           <a:p>
             <a:pPr lvl="0"/>
+            <a:r>
+              <a:rPr lang="en-US">
+                <a:sym typeface="+mn-ea"/>
+              </a:rPr>
+              <a:t>4. Result</a:t>
+            </a:r>
             <a:endParaRPr lang="en-US"/>
+          </a:p>
+        </p:txBody>
+      </p:sp>
+      <p:pic>
+        <p:nvPicPr>
+          <p:cNvPr id="5" name="Content Placeholder 4" descr="Screenshot from 2020-04-21 23-42-21"/>
+          <p:cNvPicPr>
+            <a:picLocks noChangeAspect="1"/>
+          </p:cNvPicPr>
+          <p:nvPr>
+            <p:ph idx="1"/>
+          </p:nvPr>
+        </p:nvPicPr>
+        <p:blipFill>
+          <a:blip r:embed="rId1"/>
+          <a:stretch>
+            <a:fillRect/>
+          </a:stretch>
+        </p:blipFill>
+        <p:spPr>
+          <a:xfrm>
+            <a:off x="1651000" y="1236980"/>
+            <a:ext cx="8587105" cy="5186045"/>
+          </a:xfrm>
+          <a:prstGeom prst="rect">
+            <a:avLst/>
+          </a:prstGeom>
+        </p:spPr>
+      </p:pic>
+    </p:spTree>
+  </p:cSld>
+  <p:clrMapOvr>
+    <a:masterClrMapping/>
+  </p:clrMapOvr>
+</p:sld>
+</file>
+
+<file path=ppt/slides/slide19.xml><?xml version="1.0" encoding="utf-8"?>
+<p:sld xmlns:a="http://schemas.openxmlformats.org/drawingml/2006/main" xmlns:r="http://schemas.openxmlformats.org/officeDocument/2006/relationships" xmlns:p="http://schemas.openxmlformats.org/presentationml/2006/main">
+  <p:cSld>
+    <p:spTree>
+      <p:nvGrpSpPr>
+        <p:cNvPr id="1" name=""/>
+        <p:cNvGrpSpPr/>
+        <p:nvPr/>
+      </p:nvGrpSpPr>
+      <p:grpSpPr/>
+      <p:sp>
+        <p:nvSpPr>
+          <p:cNvPr id="2" name="Title 1"/>
+          <p:cNvSpPr>
+            <a:spLocks noGrp="1"/>
+          </p:cNvSpPr>
+          <p:nvPr>
+            <p:ph type="title"/>
+          </p:nvPr>
+        </p:nvSpPr>
+        <p:spPr/>
+        <p:txBody>
+          <a:bodyPr/>
+          <a:p>
+            <a:pPr lvl="0"/>
+            <a:r>
+              <a:rPr lang="en-US">
+                <a:sym typeface="+mn-ea"/>
+              </a:rPr>
+              <a:t>5. Discussion</a:t>
+            </a:r>
+            <a:endParaRPr lang="en-US"/>
+          </a:p>
+        </p:txBody>
+      </p:sp>
+      <p:sp>
+        <p:nvSpPr>
+          <p:cNvPr id="3" name="Content Placeholder 2"/>
+          <p:cNvSpPr>
+            <a:spLocks noGrp="1"/>
+          </p:cNvSpPr>
+          <p:nvPr>
+            <p:ph idx="1"/>
+          </p:nvPr>
+        </p:nvSpPr>
+        <p:spPr/>
+        <p:txBody>
+          <a:bodyPr/>
+          <a:p>
+            <a:pPr eaLnBrk="1" latinLnBrk="0" hangingPunct="1">
+              <a:spcBef>
+                <a:spcPts val="1200"/>
+              </a:spcBef>
+            </a:pPr>
+            <a:r>
+              <a:rPr lang="en-US" sz="2800"/>
+              <a:t>We could add more features into the model, </a:t>
+            </a:r>
+            <a:r>
+              <a:rPr lang="en-US" sz="1800"/>
+              <a:t>such </a:t>
+            </a:r>
+            <a:r>
+              <a:rPr lang="en-US" sz="2800"/>
+              <a:t>as the rating of the venues, size of the business, etc.</a:t>
+            </a:r>
+            <a:endParaRPr lang="en-US" sz="2800"/>
+          </a:p>
+          <a:p>
+            <a:pPr eaLnBrk="1" latinLnBrk="0" hangingPunct="1">
+              <a:spcBef>
+                <a:spcPts val="1200"/>
+              </a:spcBef>
+            </a:pPr>
+            <a:r>
+              <a:rPr lang="en-US" sz="2800"/>
+              <a:t>Also, it would be better if we could fetch more data from different data sources, along with FourQuares, it may help us to build a more accurate model.</a:t>
+            </a:r>
+            <a:endParaRPr lang="en-US" sz="2800"/>
+          </a:p>
+          <a:p>
+            <a:pPr eaLnBrk="1" latinLnBrk="0" hangingPunct="1">
+              <a:spcBef>
+                <a:spcPts val="1200"/>
+              </a:spcBef>
+            </a:pPr>
+            <a:r>
+              <a:rPr lang="en-US" sz="2800"/>
+              <a:t>Plus, We could introduce other dimensional data like population, Demographics, income, etc., for this information also has an impact on the consuming market.</a:t>
+            </a:r>
+            <a:endParaRPr lang="en-US" sz="2800"/>
           </a:p>
         </p:txBody>
       </p:sp>
@@ -5302,6 +5825,201 @@
               <a:t>6. Conclusion</a:t>
             </a:r>
             <a:endParaRPr lang="en-US"/>
+          </a:p>
+        </p:txBody>
+      </p:sp>
+    </p:spTree>
+  </p:cSld>
+  <p:clrMapOvr>
+    <a:masterClrMapping/>
+  </p:clrMapOvr>
+</p:sld>
+</file>
+
+<file path=ppt/slides/slide20.xml><?xml version="1.0" encoding="utf-8"?>
+<p:sld xmlns:a="http://schemas.openxmlformats.org/drawingml/2006/main" xmlns:r="http://schemas.openxmlformats.org/officeDocument/2006/relationships" xmlns:p="http://schemas.openxmlformats.org/presentationml/2006/main">
+  <p:cSld>
+    <p:spTree>
+      <p:nvGrpSpPr>
+        <p:cNvPr id="1" name=""/>
+        <p:cNvGrpSpPr/>
+        <p:nvPr/>
+      </p:nvGrpSpPr>
+      <p:grpSpPr/>
+      <p:sp>
+        <p:nvSpPr>
+          <p:cNvPr id="2" name="Title 1"/>
+          <p:cNvSpPr>
+            <a:spLocks noGrp="1"/>
+          </p:cNvSpPr>
+          <p:nvPr>
+            <p:ph type="title"/>
+          </p:nvPr>
+        </p:nvSpPr>
+        <p:spPr/>
+        <p:txBody>
+          <a:bodyPr/>
+          <a:p>
+            <a:pPr lvl="0"/>
+            <a:r>
+              <a:rPr lang="en-US">
+                <a:sym typeface="+mn-ea"/>
+              </a:rPr>
+              <a:t>6. Conclusion</a:t>
+            </a:r>
+            <a:endParaRPr lang="en-US"/>
+          </a:p>
+        </p:txBody>
+      </p:sp>
+      <p:sp>
+        <p:nvSpPr>
+          <p:cNvPr id="3" name="Content Placeholder 2"/>
+          <p:cNvSpPr>
+            <a:spLocks noGrp="1"/>
+          </p:cNvSpPr>
+          <p:nvPr>
+            <p:ph idx="1"/>
+          </p:nvPr>
+        </p:nvSpPr>
+        <p:spPr/>
+        <p:txBody>
+          <a:bodyPr/>
+          <a:p>
+            <a:pPr marL="0" lvl="0" indent="0">
+              <a:lnSpc>
+                <a:spcPct val="150000"/>
+              </a:lnSpc>
+              <a:buNone/>
+            </a:pPr>
+            <a:r>
+              <a:rPr lang="en-US" b="1">
+                <a:solidFill>
+                  <a:srgbClr val="CC3300"/>
+                </a:solidFill>
+              </a:rPr>
+              <a:t>Isolation Forest model</a:t>
+            </a:r>
+            <a:r>
+              <a:rPr lang="en-US"/>
+              <a:t> </a:t>
+            </a:r>
+            <a:r>
+              <a:rPr lang="" altLang="en-US"/>
+              <a:t>help us </a:t>
+            </a:r>
+            <a:r>
+              <a:rPr lang="en-US"/>
+              <a:t>to find </a:t>
+            </a:r>
+            <a:r>
+              <a:rPr lang="en-US">
+                <a:solidFill>
+                  <a:srgbClr val="CC3300"/>
+                </a:solidFill>
+              </a:rPr>
+              <a:t>outliers</a:t>
+            </a:r>
+            <a:r>
+              <a:rPr lang="en-US"/>
+              <a:t> in the restaurant business, and find out location-based significantly different from those majority of the other locations</a:t>
+            </a:r>
+            <a:endParaRPr lang="en-US"/>
+          </a:p>
+        </p:txBody>
+      </p:sp>
+    </p:spTree>
+  </p:cSld>
+  <p:clrMapOvr>
+    <a:masterClrMapping/>
+  </p:clrMapOvr>
+</p:sld>
+</file>
+
+<file path=ppt/slides/slide21.xml><?xml version="1.0" encoding="utf-8"?>
+<p:sld xmlns:a="http://schemas.openxmlformats.org/drawingml/2006/main" xmlns:r="http://schemas.openxmlformats.org/officeDocument/2006/relationships" xmlns:p="http://schemas.openxmlformats.org/presentationml/2006/main">
+  <p:cSld>
+    <p:spTree>
+      <p:nvGrpSpPr>
+        <p:cNvPr id="1" name=""/>
+        <p:cNvGrpSpPr/>
+        <p:nvPr/>
+      </p:nvGrpSpPr>
+      <p:grpSpPr/>
+      <p:sp>
+        <p:nvSpPr>
+          <p:cNvPr id="2" name="Title 1"/>
+          <p:cNvSpPr>
+            <a:spLocks noGrp="1"/>
+          </p:cNvSpPr>
+          <p:nvPr>
+            <p:ph type="title"/>
+          </p:nvPr>
+        </p:nvSpPr>
+        <p:spPr/>
+        <p:txBody>
+          <a:bodyPr/>
+          <a:p>
+            <a:r>
+              <a:rPr lang="" altLang="en-US"/>
+              <a:t> Business Location Explore in Toronto</a:t>
+            </a:r>
+            <a:endParaRPr lang="" altLang="en-US"/>
+          </a:p>
+        </p:txBody>
+      </p:sp>
+      <p:sp>
+        <p:nvSpPr>
+          <p:cNvPr id="3" name="Content Placeholder 2"/>
+          <p:cNvSpPr>
+            <a:spLocks noGrp="1"/>
+          </p:cNvSpPr>
+          <p:nvPr>
+            <p:ph idx="1"/>
+          </p:nvPr>
+        </p:nvSpPr>
+        <p:spPr/>
+        <p:txBody>
+          <a:bodyPr/>
+          <a:p>
+            <a:endParaRPr lang="" altLang="en-US"/>
+          </a:p>
+          <a:p>
+            <a:endParaRPr lang="" altLang="en-US"/>
+          </a:p>
+          <a:p>
+            <a:pPr marL="0" indent="0" algn="ctr">
+              <a:buNone/>
+            </a:pPr>
+            <a:r>
+              <a:rPr lang="en-US" altLang="en-US" sz="7200">
+                <a:sym typeface="+mn-ea"/>
+              </a:rPr>
+              <a:t>Thank You!</a:t>
+            </a:r>
+            <a:br>
+              <a:rPr lang="en-US" altLang="en-US">
+                <a:sym typeface="+mn-ea"/>
+              </a:rPr>
+            </a:br>
+            <a:endParaRPr lang="" altLang="en-US">
+              <a:sym typeface="+mn-ea"/>
+            </a:endParaRPr>
+          </a:p>
+          <a:p>
+            <a:endParaRPr lang="" altLang="en-US"/>
+          </a:p>
+          <a:p>
+            <a:endParaRPr lang="" altLang="en-US"/>
+          </a:p>
+          <a:p>
+            <a:pPr marL="0" indent="0">
+              <a:buNone/>
+            </a:pPr>
+            <a:r>
+              <a:rPr lang="en-US" sz="1400"/>
+              <a:t>This is Peer-graded Assignment for Course Applied Data Science Capstone, Week 4/5</a:t>
+            </a:r>
+            <a:endParaRPr lang="en-US" sz="1400"/>
           </a:p>
         </p:txBody>
       </p:sp>
@@ -5916,7 +6634,11 @@
         <p:txBody>
           <a:bodyPr/>
           <a:p>
-            <a:pPr lvl="0"/>
+            <a:pPr lvl="0">
+              <a:lnSpc>
+                <a:spcPct val="150000"/>
+              </a:lnSpc>
+            </a:pPr>
             <a:r>
               <a:rPr lang="en-US"/>
               <a:t>Step(1) First we set API credentials</a:t>
@@ -5924,7 +6646,11 @@
             <a:endParaRPr lang="en-US"/>
           </a:p>
           <a:p>
-            <a:pPr lvl="0"/>
+            <a:pPr lvl="0">
+              <a:lnSpc>
+                <a:spcPct val="150000"/>
+              </a:lnSpc>
+            </a:pPr>
             <a:r>
               <a:rPr lang="en-US"/>
               <a:t>Step(2) Fetch data via FourSquare API</a:t>
@@ -5932,7 +6658,11 @@
             <a:endParaRPr lang="en-US"/>
           </a:p>
           <a:p>
-            <a:pPr lvl="0"/>
+            <a:pPr lvl="0">
+              <a:lnSpc>
+                <a:spcPct val="150000"/>
+              </a:lnSpc>
+            </a:pPr>
             <a:r>
               <a:rPr lang="en-US"/>
               <a:t>Step(3) Review venues contains Restaurant in their Name</a:t>
